--- a/答辩ppt.pptx
+++ b/答辩ppt.pptx
@@ -5,10 +5,10 @@
     <p:sldMasterId id="2147483648" r:id="rId2"/>
   </p:sldMasterIdLst>
   <p:notesMasterIdLst>
-    <p:notesMasterId r:id="rId23"/>
+    <p:notesMasterId r:id="rId24"/>
   </p:notesMasterIdLst>
   <p:handoutMasterIdLst>
-    <p:handoutMasterId r:id="rId24"/>
+    <p:handoutMasterId r:id="rId25"/>
   </p:handoutMasterIdLst>
   <p:sldIdLst>
     <p:sldId id="256" r:id="rId3"/>
@@ -24,21 +24,22 @@
     <p:sldId id="301" r:id="rId13"/>
     <p:sldId id="302" r:id="rId14"/>
     <p:sldId id="303" r:id="rId15"/>
-    <p:sldId id="314" r:id="rId16"/>
-    <p:sldId id="268" r:id="rId17"/>
-    <p:sldId id="311" r:id="rId18"/>
-    <p:sldId id="312" r:id="rId19"/>
-    <p:sldId id="313" r:id="rId20"/>
-    <p:sldId id="292" r:id="rId21"/>
-    <p:sldId id="270" r:id="rId22"/>
+    <p:sldId id="315" r:id="rId16"/>
+    <p:sldId id="314" r:id="rId17"/>
+    <p:sldId id="268" r:id="rId18"/>
+    <p:sldId id="311" r:id="rId19"/>
+    <p:sldId id="312" r:id="rId20"/>
+    <p:sldId id="313" r:id="rId21"/>
+    <p:sldId id="292" r:id="rId22"/>
+    <p:sldId id="270" r:id="rId23"/>
   </p:sldIdLst>
   <p:sldSz cx="12192000" cy="6858000"/>
   <p:notesSz cx="6858000" cy="9144000"/>
   <p:embeddedFontLst>
     <p:embeddedFont>
       <p:font typeface="微软雅黑" panose="020B0503020204020204" pitchFamily="34" charset="-122"/>
-      <p:regular r:id="rId25"/>
-      <p:bold r:id="rId26"/>
+      <p:regular r:id="rId26"/>
+      <p:bold r:id="rId27"/>
     </p:embeddedFont>
   </p:embeddedFontLst>
   <p:defaultTextStyle>
@@ -249,7 +250,7 @@
                 <a:latin typeface="微软雅黑" panose="020B0503020204020204" charset="-122"/>
                 <a:ea typeface="微软雅黑" panose="020B0503020204020204" charset="-122"/>
               </a:rPr>
-              <a:t>2022/7/21</a:t>
+              <a:t>2022/7/22</a:t>
             </a:fld>
             <a:endParaRPr lang="zh-CN" altLang="en-US">
               <a:latin typeface="微软雅黑" panose="020B0503020204020204" charset="-122"/>
@@ -432,7 +433,7 @@
           <a:p>
             <a:fld id="{1AC49D05-6128-4D0D-A32A-06A5E73B386C}" type="datetimeFigureOut">
               <a:rPr lang="zh-CN" altLang="en-US" smtClean="0"/>
-              <a:t>2022/7/21</a:t>
+              <a:t>2022/7/22</a:t>
             </a:fld>
             <a:endParaRPr lang="zh-CN" altLang="en-US"/>
           </a:p>
@@ -1189,7 +1190,7 @@
     </p:spTree>
     <p:extLst>
       <p:ext uri="{BB962C8B-B14F-4D97-AF65-F5344CB8AC3E}">
-        <p14:creationId xmlns:p14="http://schemas.microsoft.com/office/powerpoint/2010/main" val="2268731449"/>
+        <p14:creationId xmlns:p14="http://schemas.microsoft.com/office/powerpoint/2010/main" val="3905946153"/>
       </p:ext>
     </p:extLst>
   </p:cSld>
@@ -1271,6 +1272,11 @@
         </p:txBody>
       </p:sp>
     </p:spTree>
+    <p:extLst>
+      <p:ext uri="{BB962C8B-B14F-4D97-AF65-F5344CB8AC3E}">
+        <p14:creationId xmlns:p14="http://schemas.microsoft.com/office/powerpoint/2010/main" val="2268731449"/>
+      </p:ext>
+    </p:extLst>
   </p:cSld>
   <p:clrMapOvr>
     <a:masterClrMapping/>
@@ -1350,11 +1356,6 @@
         </p:txBody>
       </p:sp>
     </p:spTree>
-    <p:extLst>
-      <p:ext uri="{BB962C8B-B14F-4D97-AF65-F5344CB8AC3E}">
-        <p14:creationId xmlns:p14="http://schemas.microsoft.com/office/powerpoint/2010/main" val="2192026746"/>
-      </p:ext>
-    </p:extLst>
   </p:cSld>
   <p:clrMapOvr>
     <a:masterClrMapping/>
@@ -1436,7 +1437,7 @@
     </p:spTree>
     <p:extLst>
       <p:ext uri="{BB962C8B-B14F-4D97-AF65-F5344CB8AC3E}">
-        <p14:creationId xmlns:p14="http://schemas.microsoft.com/office/powerpoint/2010/main" val="1071377389"/>
+        <p14:creationId xmlns:p14="http://schemas.microsoft.com/office/powerpoint/2010/main" val="2192026746"/>
       </p:ext>
     </p:extLst>
   </p:cSld>
@@ -1520,7 +1521,7 @@
     </p:spTree>
     <p:extLst>
       <p:ext uri="{BB962C8B-B14F-4D97-AF65-F5344CB8AC3E}">
-        <p14:creationId xmlns:p14="http://schemas.microsoft.com/office/powerpoint/2010/main" val="4237805915"/>
+        <p14:creationId xmlns:p14="http://schemas.microsoft.com/office/powerpoint/2010/main" val="1071377389"/>
       </p:ext>
     </p:extLst>
   </p:cSld>
@@ -1604,7 +1605,7 @@
     </p:spTree>
     <p:extLst>
       <p:ext uri="{BB962C8B-B14F-4D97-AF65-F5344CB8AC3E}">
-        <p14:creationId xmlns:p14="http://schemas.microsoft.com/office/powerpoint/2010/main" val="3031302927"/>
+        <p14:creationId xmlns:p14="http://schemas.microsoft.com/office/powerpoint/2010/main" val="4237805915"/>
       </p:ext>
     </p:extLst>
   </p:cSld>
@@ -1759,6 +1760,90 @@
             <a:fld id="{85D0DACE-38E0-42D2-9336-2B707D34BC6D}" type="slidenum">
               <a:rPr lang="zh-CN" altLang="en-US" smtClean="0"/>
               <a:t>20</a:t>
+            </a:fld>
+            <a:endParaRPr lang="zh-CN" altLang="en-US"/>
+          </a:p>
+        </p:txBody>
+      </p:sp>
+    </p:spTree>
+    <p:extLst>
+      <p:ext uri="{BB962C8B-B14F-4D97-AF65-F5344CB8AC3E}">
+        <p14:creationId xmlns:p14="http://schemas.microsoft.com/office/powerpoint/2010/main" val="3031302927"/>
+      </p:ext>
+    </p:extLst>
+  </p:cSld>
+  <p:clrMapOvr>
+    <a:masterClrMapping/>
+  </p:clrMapOvr>
+</p:notes>
+</file>
+
+<file path=ppt/notesSlides/notesSlide21.xml><?xml version="1.0" encoding="utf-8"?>
+<p:notes xmlns:a="http://schemas.openxmlformats.org/drawingml/2006/main" xmlns:r="http://schemas.openxmlformats.org/officeDocument/2006/relationships" xmlns:p="http://schemas.openxmlformats.org/presentationml/2006/main">
+  <p:cSld>
+    <p:spTree>
+      <p:nvGrpSpPr>
+        <p:cNvPr id="1" name=""/>
+        <p:cNvGrpSpPr/>
+        <p:nvPr/>
+      </p:nvGrpSpPr>
+      <p:grpSpPr>
+        <a:xfrm>
+          <a:off x="0" y="0"/>
+          <a:ext cx="0" cy="0"/>
+          <a:chOff x="0" y="0"/>
+          <a:chExt cx="0" cy="0"/>
+        </a:xfrm>
+      </p:grpSpPr>
+      <p:sp>
+        <p:nvSpPr>
+          <p:cNvPr id="2" name="幻灯片图像占位符 1"/>
+          <p:cNvSpPr>
+            <a:spLocks noGrp="1" noRot="1" noChangeAspect="1"/>
+          </p:cNvSpPr>
+          <p:nvPr>
+            <p:ph type="sldImg"/>
+          </p:nvPr>
+        </p:nvSpPr>
+        <p:spPr/>
+      </p:sp>
+      <p:sp>
+        <p:nvSpPr>
+          <p:cNvPr id="3" name="备注占位符 2"/>
+          <p:cNvSpPr>
+            <a:spLocks noGrp="1"/>
+          </p:cNvSpPr>
+          <p:nvPr>
+            <p:ph type="body" idx="1"/>
+          </p:nvPr>
+        </p:nvSpPr>
+        <p:spPr/>
+        <p:txBody>
+          <a:bodyPr/>
+          <a:lstStyle/>
+          <a:p>
+            <a:endParaRPr lang="zh-CN" altLang="en-US"/>
+          </a:p>
+        </p:txBody>
+      </p:sp>
+      <p:sp>
+        <p:nvSpPr>
+          <p:cNvPr id="4" name="灯片编号占位符 3"/>
+          <p:cNvSpPr>
+            <a:spLocks noGrp="1"/>
+          </p:cNvSpPr>
+          <p:nvPr>
+            <p:ph type="sldNum" sz="quarter" idx="10"/>
+          </p:nvPr>
+        </p:nvSpPr>
+        <p:spPr/>
+        <p:txBody>
+          <a:bodyPr/>
+          <a:lstStyle/>
+          <a:p>
+            <a:fld id="{85D0DACE-38E0-42D2-9336-2B707D34BC6D}" type="slidenum">
+              <a:rPr lang="zh-CN" altLang="en-US" smtClean="0"/>
+              <a:t>21</a:t>
             </a:fld>
             <a:endParaRPr lang="zh-CN" altLang="en-US"/>
           </a:p>
@@ -2498,7 +2583,7 @@
           <a:p>
             <a:fld id="{760FBDFE-C587-4B4C-A407-44438C67B59E}" type="datetimeFigureOut">
               <a:rPr lang="zh-CN" altLang="en-US" smtClean="0"/>
-              <a:t>2022/7/21</a:t>
+              <a:t>2022/7/22</a:t>
             </a:fld>
             <a:endParaRPr lang="zh-CN" altLang="en-US"/>
           </a:p>
@@ -2597,7 +2682,7 @@
           <a:p>
             <a:fld id="{760FBDFE-C587-4B4C-A407-44438C67B59E}" type="datetimeFigureOut">
               <a:rPr lang="zh-CN" altLang="en-US" smtClean="0"/>
-              <a:t>2022/7/21</a:t>
+              <a:t>2022/7/22</a:t>
             </a:fld>
             <a:endParaRPr lang="zh-CN" altLang="en-US"/>
           </a:p>
@@ -2806,7 +2891,7 @@
           <a:p>
             <a:fld id="{760FBDFE-C587-4B4C-A407-44438C67B59E}" type="datetimeFigureOut">
               <a:rPr lang="zh-CN" altLang="en-US" smtClean="0"/>
-              <a:t>2022/7/21</a:t>
+              <a:t>2022/7/22</a:t>
             </a:fld>
             <a:endParaRPr lang="zh-CN" altLang="en-US"/>
           </a:p>
@@ -3221,7 +3306,7 @@
           <a:p>
             <a:fld id="{760FBDFE-C587-4B4C-A407-44438C67B59E}" type="datetimeFigureOut">
               <a:rPr lang="zh-CN" altLang="en-US" smtClean="0"/>
-              <a:t>2022/7/21</a:t>
+              <a:t>2022/7/22</a:t>
             </a:fld>
             <a:endParaRPr lang="zh-CN" altLang="en-US"/>
           </a:p>
@@ -3495,7 +3580,7 @@
           <a:p>
             <a:fld id="{760FBDFE-C587-4B4C-A407-44438C67B59E}" type="datetimeFigureOut">
               <a:rPr lang="zh-CN" altLang="en-US" smtClean="0"/>
-              <a:t>2022/7/21</a:t>
+              <a:t>2022/7/22</a:t>
             </a:fld>
             <a:endParaRPr lang="zh-CN" altLang="en-US"/>
           </a:p>
@@ -3963,7 +4048,7 @@
           <a:p>
             <a:fld id="{760FBDFE-C587-4B4C-A407-44438C67B59E}" type="datetimeFigureOut">
               <a:rPr lang="zh-CN" altLang="en-US" smtClean="0"/>
-              <a:t>2022/7/21</a:t>
+              <a:t>2022/7/22</a:t>
             </a:fld>
             <a:endParaRPr lang="zh-CN" altLang="en-US"/>
           </a:p>
@@ -4696,7 +4781,7 @@
           <a:p>
             <a:fld id="{760FBDFE-C587-4B4C-A407-44438C67B59E}" type="datetimeFigureOut">
               <a:rPr lang="zh-CN" altLang="en-US" smtClean="0"/>
-              <a:t>2022/7/21</a:t>
+              <a:t>2022/7/22</a:t>
             </a:fld>
             <a:endParaRPr lang="zh-CN" altLang="en-US"/>
           </a:p>
@@ -4842,7 +4927,7 @@
           <a:p>
             <a:fld id="{760FBDFE-C587-4B4C-A407-44438C67B59E}" type="datetimeFigureOut">
               <a:rPr lang="zh-CN" altLang="en-US" smtClean="0"/>
-              <a:t>2022/7/21</a:t>
+              <a:t>2022/7/22</a:t>
             </a:fld>
             <a:endParaRPr lang="zh-CN" altLang="en-US"/>
           </a:p>
@@ -4941,7 +5026,7 @@
           <a:p>
             <a:fld id="{760FBDFE-C587-4B4C-A407-44438C67B59E}" type="datetimeFigureOut">
               <a:rPr lang="zh-CN" altLang="en-US" smtClean="0"/>
-              <a:t>2022/7/21</a:t>
+              <a:t>2022/7/22</a:t>
             </a:fld>
             <a:endParaRPr lang="zh-CN" altLang="en-US"/>
           </a:p>
@@ -5256,7 +5341,7 @@
           <a:p>
             <a:fld id="{9EFD9D74-47D9-4702-A33C-335B63B48DBF}" type="datetimeFigureOut">
               <a:rPr lang="zh-CN" altLang="en-US" smtClean="0"/>
-              <a:t>2022/7/21</a:t>
+              <a:t>2022/7/22</a:t>
             </a:fld>
             <a:endParaRPr lang="zh-CN" altLang="en-US" dirty="0"/>
           </a:p>
@@ -5545,7 +5630,7 @@
           <a:p>
             <a:fld id="{760FBDFE-C587-4B4C-A407-44438C67B59E}" type="datetimeFigureOut">
               <a:rPr lang="zh-CN" altLang="en-US" smtClean="0"/>
-              <a:t>2022/7/21</a:t>
+              <a:t>2022/7/22</a:t>
             </a:fld>
             <a:endParaRPr lang="zh-CN" altLang="en-US"/>
           </a:p>
@@ -5779,7 +5864,7 @@
           <a:p>
             <a:fld id="{760FBDFE-C587-4B4C-A407-44438C67B59E}" type="datetimeFigureOut">
               <a:rPr lang="zh-CN" altLang="en-US" smtClean="0"/>
-              <a:t>2022/7/21</a:t>
+              <a:t>2022/7/22</a:t>
             </a:fld>
             <a:endParaRPr lang="zh-CN" altLang="en-US"/>
           </a:p>
@@ -6404,7 +6489,7 @@
         <p:spPr>
           <a:xfrm>
             <a:off x="1702928" y="2089815"/>
-            <a:ext cx="8786143" cy="1569660"/>
+            <a:ext cx="8786143" cy="830997"/>
           </a:xfrm>
           <a:prstGeom prst="rect">
             <a:avLst/>
@@ -6454,13 +6539,6 @@
               <a:t>编码压缩文件</a:t>
             </a:r>
             <a:endParaRPr lang="en-US" altLang="zh-CN" sz="4800" kern="100" dirty="0">
-              <a:latin typeface="宋体" panose="02010600030101010101" pitchFamily="2" charset="-122"/>
-              <a:ea typeface="宋体" panose="02010600030101010101" pitchFamily="2" charset="-122"/>
-            </a:endParaRPr>
-          </a:p>
-          <a:p>
-            <a:pPr algn="ctr"/>
-            <a:endParaRPr lang="zh-CN" altLang="en-US" sz="4800" dirty="0">
               <a:latin typeface="宋体" panose="02010600030101010101" pitchFamily="2" charset="-122"/>
               <a:ea typeface="宋体" panose="02010600030101010101" pitchFamily="2" charset="-122"/>
             </a:endParaRPr>
@@ -7542,7 +7620,7 @@
         </p:blipFill>
         <p:spPr bwMode="auto">
           <a:xfrm>
-            <a:off x="5931017" y="788035"/>
+            <a:off x="5931017" y="804813"/>
             <a:ext cx="5676900" cy="5372100"/>
           </a:xfrm>
           <a:prstGeom prst="rect">
@@ -7976,6 +8054,189 @@
 </file>
 
 <file path=ppt/slides/slide14.xml><?xml version="1.0" encoding="utf-8"?>
+<p:sld xmlns:a="http://schemas.openxmlformats.org/drawingml/2006/main" xmlns:r="http://schemas.openxmlformats.org/officeDocument/2006/relationships" xmlns:p="http://schemas.openxmlformats.org/presentationml/2006/main">
+  <p:cSld>
+    <p:spTree>
+      <p:nvGrpSpPr>
+        <p:cNvPr id="1" name=""/>
+        <p:cNvGrpSpPr/>
+        <p:nvPr/>
+      </p:nvGrpSpPr>
+      <p:grpSpPr>
+        <a:xfrm>
+          <a:off x="0" y="0"/>
+          <a:ext cx="0" cy="0"/>
+          <a:chOff x="0" y="0"/>
+          <a:chExt cx="0" cy="0"/>
+        </a:xfrm>
+      </p:grpSpPr>
+      <p:sp>
+        <p:nvSpPr>
+          <p:cNvPr id="17" name="文本框 16"/>
+          <p:cNvSpPr txBox="1"/>
+          <p:nvPr/>
+        </p:nvSpPr>
+        <p:spPr>
+          <a:xfrm>
+            <a:off x="935990" y="347980"/>
+            <a:ext cx="1657985" cy="306705"/>
+          </a:xfrm>
+          <a:prstGeom prst="rect">
+            <a:avLst/>
+          </a:prstGeom>
+          <a:noFill/>
+        </p:spPr>
+        <p:txBody>
+          <a:bodyPr wrap="square" rtlCol="0">
+            <a:spAutoFit/>
+          </a:bodyPr>
+          <a:lstStyle/>
+          <a:p>
+            <a:r>
+              <a:rPr lang="zh-CN" altLang="en-US" sz="1400" dirty="0">
+                <a:solidFill>
+                  <a:schemeClr val="tx1">
+                    <a:lumMod val="95000"/>
+                    <a:lumOff val="5000"/>
+                  </a:schemeClr>
+                </a:solidFill>
+                <a:latin typeface="宋体" panose="02010600030101010101" pitchFamily="2" charset="-122"/>
+                <a:ea typeface="宋体" panose="02010600030101010101" pitchFamily="2" charset="-122"/>
+              </a:rPr>
+              <a:t>详细设计</a:t>
+            </a:r>
+          </a:p>
+        </p:txBody>
+      </p:sp>
+      <p:cxnSp>
+        <p:nvCxnSpPr>
+          <p:cNvPr id="18" name="直接连接符 17"/>
+          <p:cNvCxnSpPr/>
+          <p:nvPr/>
+        </p:nvCxnSpPr>
+        <p:spPr>
+          <a:xfrm>
+            <a:off x="1029335" y="697865"/>
+            <a:ext cx="10401935" cy="0"/>
+          </a:xfrm>
+          <a:prstGeom prst="line">
+            <a:avLst/>
+          </a:prstGeom>
+          <a:ln>
+            <a:solidFill>
+              <a:schemeClr val="tx1">
+                <a:lumMod val="85000"/>
+                <a:lumOff val="15000"/>
+              </a:schemeClr>
+            </a:solidFill>
+          </a:ln>
+        </p:spPr>
+        <p:style>
+          <a:lnRef idx="1">
+            <a:schemeClr val="accent1"/>
+          </a:lnRef>
+          <a:fillRef idx="0">
+            <a:schemeClr val="accent1"/>
+          </a:fillRef>
+          <a:effectRef idx="0">
+            <a:schemeClr val="accent1"/>
+          </a:effectRef>
+          <a:fontRef idx="minor">
+            <a:schemeClr val="tx1"/>
+          </a:fontRef>
+        </p:style>
+      </p:cxnSp>
+      <p:sp>
+        <p:nvSpPr>
+          <p:cNvPr id="16" name="文本框 15">
+            <a:extLst>
+              <a:ext uri="{FF2B5EF4-FFF2-40B4-BE49-F238E27FC236}">
+                <a16:creationId xmlns:a16="http://schemas.microsoft.com/office/drawing/2014/main" id="{776C3DF6-16F5-4B3F-B8FA-7B18486CDF83}"/>
+              </a:ext>
+            </a:extLst>
+          </p:cNvPr>
+          <p:cNvSpPr txBox="1"/>
+          <p:nvPr/>
+        </p:nvSpPr>
+        <p:spPr>
+          <a:xfrm>
+            <a:off x="10333672" y="391160"/>
+            <a:ext cx="1657985" cy="306705"/>
+          </a:xfrm>
+          <a:prstGeom prst="rect">
+            <a:avLst/>
+          </a:prstGeom>
+          <a:noFill/>
+        </p:spPr>
+        <p:txBody>
+          <a:bodyPr wrap="square" rtlCol="0">
+            <a:spAutoFit/>
+          </a:bodyPr>
+          <a:lstStyle/>
+          <a:p>
+            <a:r>
+              <a:rPr lang="zh-CN" altLang="en-US" sz="1400" dirty="0">
+                <a:solidFill>
+                  <a:schemeClr val="tx1">
+                    <a:lumMod val="95000"/>
+                    <a:lumOff val="5000"/>
+                  </a:schemeClr>
+                </a:solidFill>
+                <a:latin typeface="宋体" panose="02010600030101010101" pitchFamily="2" charset="-122"/>
+                <a:ea typeface="宋体" panose="02010600030101010101" pitchFamily="2" charset="-122"/>
+              </a:rPr>
+              <a:t>解压功能设计</a:t>
+            </a:r>
+          </a:p>
+        </p:txBody>
+      </p:sp>
+      <p:pic>
+        <p:nvPicPr>
+          <p:cNvPr id="3" name="图片 2">
+            <a:extLst>
+              <a:ext uri="{FF2B5EF4-FFF2-40B4-BE49-F238E27FC236}">
+                <a16:creationId xmlns:a16="http://schemas.microsoft.com/office/drawing/2014/main" id="{7E9E076A-DC83-4870-9D07-0F18D56B1394}"/>
+              </a:ext>
+            </a:extLst>
+          </p:cNvPr>
+          <p:cNvPicPr>
+            <a:picLocks noChangeAspect="1"/>
+          </p:cNvPicPr>
+          <p:nvPr/>
+        </p:nvPicPr>
+        <p:blipFill>
+          <a:blip r:embed="rId4"/>
+          <a:stretch>
+            <a:fillRect/>
+          </a:stretch>
+        </p:blipFill>
+        <p:spPr>
+          <a:xfrm>
+            <a:off x="3051546" y="1645765"/>
+            <a:ext cx="6088908" cy="3566469"/>
+          </a:xfrm>
+          <a:prstGeom prst="rect">
+            <a:avLst/>
+          </a:prstGeom>
+        </p:spPr>
+      </p:pic>
+    </p:spTree>
+    <p:custDataLst>
+      <p:tags r:id="rId1"/>
+    </p:custDataLst>
+    <p:extLst>
+      <p:ext uri="{BB962C8B-B14F-4D97-AF65-F5344CB8AC3E}">
+        <p14:creationId xmlns:p14="http://schemas.microsoft.com/office/powerpoint/2010/main" val="3878212776"/>
+      </p:ext>
+    </p:extLst>
+  </p:cSld>
+  <p:clrMapOvr>
+    <a:masterClrMapping/>
+  </p:clrMapOvr>
+</p:sld>
+</file>
+
+<file path=ppt/slides/slide15.xml><?xml version="1.0" encoding="utf-8"?>
 <p:sld xmlns:a="http://schemas.openxmlformats.org/drawingml/2006/main" xmlns:r="http://schemas.openxmlformats.org/officeDocument/2006/relationships" xmlns:p="http://schemas.openxmlformats.org/presentationml/2006/main">
   <p:cSld>
     <p:spTree>
@@ -8308,7 +8569,7 @@
 </p:sld>
 </file>
 
-<file path=ppt/slides/slide15.xml><?xml version="1.0" encoding="utf-8"?>
+<file path=ppt/slides/slide16.xml><?xml version="1.0" encoding="utf-8"?>
 <p:sld xmlns:a="http://schemas.openxmlformats.org/drawingml/2006/main" xmlns:r="http://schemas.openxmlformats.org/officeDocument/2006/relationships" xmlns:p="http://schemas.openxmlformats.org/presentationml/2006/main">
   <p:cSld>
     <p:bg>
@@ -8630,7 +8891,7 @@
 </p:sld>
 </file>
 
-<file path=ppt/slides/slide16.xml><?xml version="1.0" encoding="utf-8"?>
+<file path=ppt/slides/slide17.xml><?xml version="1.0" encoding="utf-8"?>
 <p:sld xmlns:a="http://schemas.openxmlformats.org/drawingml/2006/main" xmlns:r="http://schemas.openxmlformats.org/officeDocument/2006/relationships" xmlns:p="http://schemas.openxmlformats.org/presentationml/2006/main">
   <p:cSld>
     <p:spTree>
@@ -8938,7 +9199,7 @@
 </p:sld>
 </file>
 
-<file path=ppt/slides/slide17.xml><?xml version="1.0" encoding="utf-8"?>
+<file path=ppt/slides/slide18.xml><?xml version="1.0" encoding="utf-8"?>
 <p:sld xmlns:a="http://schemas.openxmlformats.org/drawingml/2006/main" xmlns:r="http://schemas.openxmlformats.org/officeDocument/2006/relationships" xmlns:p="http://schemas.openxmlformats.org/presentationml/2006/main">
   <p:cSld>
     <p:spTree>
@@ -9331,7 +9592,7 @@
 </p:sld>
 </file>
 
-<file path=ppt/slides/slide18.xml><?xml version="1.0" encoding="utf-8"?>
+<file path=ppt/slides/slide19.xml><?xml version="1.0" encoding="utf-8"?>
 <p:sld xmlns:a="http://schemas.openxmlformats.org/drawingml/2006/main" xmlns:r="http://schemas.openxmlformats.org/officeDocument/2006/relationships" xmlns:p="http://schemas.openxmlformats.org/presentationml/2006/main">
   <p:cSld>
     <p:spTree>
@@ -10356,320 +10617,6 @@
 </p:sld>
 </file>
 
-<file path=ppt/slides/slide19.xml><?xml version="1.0" encoding="utf-8"?>
-<p:sld xmlns:a="http://schemas.openxmlformats.org/drawingml/2006/main" xmlns:r="http://schemas.openxmlformats.org/officeDocument/2006/relationships" xmlns:p="http://schemas.openxmlformats.org/presentationml/2006/main">
-  <p:cSld>
-    <p:spTree>
-      <p:nvGrpSpPr>
-        <p:cNvPr id="1" name=""/>
-        <p:cNvGrpSpPr/>
-        <p:nvPr/>
-      </p:nvGrpSpPr>
-      <p:grpSpPr>
-        <a:xfrm>
-          <a:off x="0" y="0"/>
-          <a:ext cx="0" cy="0"/>
-          <a:chOff x="0" y="0"/>
-          <a:chExt cx="0" cy="0"/>
-        </a:xfrm>
-      </p:grpSpPr>
-      <p:cxnSp>
-        <p:nvCxnSpPr>
-          <p:cNvPr id="2" name="直接连接符 1"/>
-          <p:cNvCxnSpPr/>
-          <p:nvPr/>
-        </p:nvCxnSpPr>
-        <p:spPr>
-          <a:xfrm flipH="1">
-            <a:off x="-581660" y="1250950"/>
-            <a:ext cx="2432050" cy="1964690"/>
-          </a:xfrm>
-          <a:prstGeom prst="line">
-            <a:avLst/>
-          </a:prstGeom>
-          <a:ln>
-            <a:solidFill>
-              <a:schemeClr val="tx1">
-                <a:lumMod val="95000"/>
-                <a:lumOff val="5000"/>
-              </a:schemeClr>
-            </a:solidFill>
-          </a:ln>
-        </p:spPr>
-        <p:style>
-          <a:lnRef idx="1">
-            <a:schemeClr val="accent1"/>
-          </a:lnRef>
-          <a:fillRef idx="0">
-            <a:schemeClr val="accent1"/>
-          </a:fillRef>
-          <a:effectRef idx="0">
-            <a:schemeClr val="accent1"/>
-          </a:effectRef>
-          <a:fontRef idx="minor">
-            <a:schemeClr val="tx1"/>
-          </a:fontRef>
-        </p:style>
-      </p:cxnSp>
-      <p:cxnSp>
-        <p:nvCxnSpPr>
-          <p:cNvPr id="3" name="直接连接符 2"/>
-          <p:cNvCxnSpPr/>
-          <p:nvPr/>
-        </p:nvCxnSpPr>
-        <p:spPr>
-          <a:xfrm flipH="1">
-            <a:off x="1334135" y="-1107440"/>
-            <a:ext cx="2432050" cy="1964690"/>
-          </a:xfrm>
-          <a:prstGeom prst="line">
-            <a:avLst/>
-          </a:prstGeom>
-          <a:ln>
-            <a:solidFill>
-              <a:schemeClr val="tx1">
-                <a:lumMod val="95000"/>
-                <a:lumOff val="5000"/>
-              </a:schemeClr>
-            </a:solidFill>
-          </a:ln>
-        </p:spPr>
-        <p:style>
-          <a:lnRef idx="1">
-            <a:schemeClr val="accent1"/>
-          </a:lnRef>
-          <a:fillRef idx="0">
-            <a:schemeClr val="accent1"/>
-          </a:fillRef>
-          <a:effectRef idx="0">
-            <a:schemeClr val="accent1"/>
-          </a:effectRef>
-          <a:fontRef idx="minor">
-            <a:schemeClr val="tx1"/>
-          </a:fontRef>
-        </p:style>
-      </p:cxnSp>
-      <p:cxnSp>
-        <p:nvCxnSpPr>
-          <p:cNvPr id="4" name="直接连接符 3"/>
-          <p:cNvCxnSpPr/>
-          <p:nvPr/>
-        </p:nvCxnSpPr>
-        <p:spPr>
-          <a:xfrm flipH="1">
-            <a:off x="9215755" y="5941060"/>
-            <a:ext cx="2432050" cy="1964690"/>
-          </a:xfrm>
-          <a:prstGeom prst="line">
-            <a:avLst/>
-          </a:prstGeom>
-          <a:ln>
-            <a:solidFill>
-              <a:schemeClr val="tx1">
-                <a:lumMod val="95000"/>
-                <a:lumOff val="5000"/>
-              </a:schemeClr>
-            </a:solidFill>
-          </a:ln>
-        </p:spPr>
-        <p:style>
-          <a:lnRef idx="1">
-            <a:schemeClr val="accent1"/>
-          </a:lnRef>
-          <a:fillRef idx="0">
-            <a:schemeClr val="accent1"/>
-          </a:fillRef>
-          <a:effectRef idx="0">
-            <a:schemeClr val="accent1"/>
-          </a:effectRef>
-          <a:fontRef idx="minor">
-            <a:schemeClr val="tx1"/>
-          </a:fontRef>
-        </p:style>
-      </p:cxnSp>
-      <p:cxnSp>
-        <p:nvCxnSpPr>
-          <p:cNvPr id="5" name="直接连接符 4"/>
-          <p:cNvCxnSpPr/>
-          <p:nvPr/>
-        </p:nvCxnSpPr>
-        <p:spPr>
-          <a:xfrm flipH="1">
-            <a:off x="11131550" y="3582670"/>
-            <a:ext cx="2432050" cy="1964690"/>
-          </a:xfrm>
-          <a:prstGeom prst="line">
-            <a:avLst/>
-          </a:prstGeom>
-          <a:ln w="6350">
-            <a:solidFill>
-              <a:schemeClr val="tx1">
-                <a:lumMod val="95000"/>
-                <a:lumOff val="5000"/>
-              </a:schemeClr>
-            </a:solidFill>
-          </a:ln>
-        </p:spPr>
-        <p:style>
-          <a:lnRef idx="1">
-            <a:schemeClr val="accent1"/>
-          </a:lnRef>
-          <a:fillRef idx="0">
-            <a:schemeClr val="accent1"/>
-          </a:fillRef>
-          <a:effectRef idx="0">
-            <a:schemeClr val="accent1"/>
-          </a:effectRef>
-          <a:fontRef idx="minor">
-            <a:schemeClr val="tx1"/>
-          </a:fontRef>
-        </p:style>
-      </p:cxnSp>
-      <p:sp>
-        <p:nvSpPr>
-          <p:cNvPr id="8" name="文本框 7"/>
-          <p:cNvSpPr txBox="1"/>
-          <p:nvPr/>
-        </p:nvSpPr>
-        <p:spPr>
-          <a:xfrm>
-            <a:off x="3906520" y="2056765"/>
-            <a:ext cx="1264920" cy="1014730"/>
-          </a:xfrm>
-          <a:prstGeom prst="rect">
-            <a:avLst/>
-          </a:prstGeom>
-          <a:noFill/>
-        </p:spPr>
-        <p:txBody>
-          <a:bodyPr wrap="square" rtlCol="0">
-            <a:spAutoFit/>
-          </a:bodyPr>
-          <a:lstStyle/>
-          <a:p>
-            <a:pPr algn="l"/>
-            <a:r>
-              <a:rPr lang="en-US" sz="6000" dirty="0">
-                <a:solidFill>
-                  <a:srgbClr val="FF0000"/>
-                </a:solidFill>
-                <a:latin typeface="宋体" panose="02010600030101010101" pitchFamily="2" charset="-122"/>
-                <a:ea typeface="宋体" panose="02010600030101010101" pitchFamily="2" charset="-122"/>
-                <a:cs typeface="思源黑体 Light" panose="020B0300000000000000" charset="-122"/>
-              </a:rPr>
-              <a:t>05</a:t>
-            </a:r>
-          </a:p>
-        </p:txBody>
-      </p:sp>
-      <p:grpSp>
-        <p:nvGrpSpPr>
-          <p:cNvPr id="9" name="组合 8"/>
-          <p:cNvGrpSpPr/>
-          <p:nvPr/>
-        </p:nvGrpSpPr>
-        <p:grpSpPr>
-          <a:xfrm>
-            <a:off x="4000500" y="2339340"/>
-            <a:ext cx="3931285" cy="1164590"/>
-            <a:chOff x="6300" y="3684"/>
-            <a:chExt cx="6191" cy="1834"/>
-          </a:xfrm>
-        </p:grpSpPr>
-        <p:cxnSp>
-          <p:nvCxnSpPr>
-            <p:cNvPr id="15" name="直接连接符 14"/>
-            <p:cNvCxnSpPr/>
-            <p:nvPr/>
-          </p:nvCxnSpPr>
-          <p:spPr>
-            <a:xfrm flipH="1">
-              <a:off x="6300" y="3684"/>
-              <a:ext cx="2266" cy="1834"/>
-            </a:xfrm>
-            <a:prstGeom prst="line">
-              <a:avLst/>
-            </a:prstGeom>
-            <a:ln>
-              <a:solidFill>
-                <a:schemeClr val="tx1">
-                  <a:lumMod val="95000"/>
-                  <a:lumOff val="5000"/>
-                </a:schemeClr>
-              </a:solidFill>
-            </a:ln>
-          </p:spPr>
-          <p:style>
-            <a:lnRef idx="1">
-              <a:schemeClr val="accent1"/>
-            </a:lnRef>
-            <a:fillRef idx="0">
-              <a:schemeClr val="accent1"/>
-            </a:fillRef>
-            <a:effectRef idx="0">
-              <a:schemeClr val="accent1"/>
-            </a:effectRef>
-            <a:fontRef idx="minor">
-              <a:schemeClr val="tx1"/>
-            </a:fontRef>
-          </p:style>
-        </p:cxnSp>
-        <p:sp>
-          <p:nvSpPr>
-            <p:cNvPr id="10" name="文本框 9"/>
-            <p:cNvSpPr txBox="1"/>
-            <p:nvPr/>
-          </p:nvSpPr>
-          <p:spPr>
-            <a:xfrm>
-              <a:off x="7696" y="4269"/>
-              <a:ext cx="4795" cy="921"/>
-            </a:xfrm>
-            <a:prstGeom prst="rect">
-              <a:avLst/>
-            </a:prstGeom>
-            <a:noFill/>
-          </p:spPr>
-          <p:txBody>
-            <a:bodyPr wrap="square" rtlCol="0">
-              <a:spAutoFit/>
-            </a:bodyPr>
-            <a:lstStyle/>
-            <a:p>
-              <a:pPr algn="l"/>
-              <a:r>
-                <a:rPr lang="zh-CN" altLang="en-US" sz="3200" dirty="0">
-                  <a:latin typeface="宋体" panose="02010600030101010101" pitchFamily="2" charset="-122"/>
-                  <a:ea typeface="宋体" panose="02010600030101010101" pitchFamily="2" charset="-122"/>
-                </a:rPr>
-                <a:t>结果演示</a:t>
-              </a:r>
-              <a:endParaRPr lang="zh-CN" altLang="en-US" sz="3200" dirty="0">
-                <a:latin typeface="宋体" panose="02010600030101010101" pitchFamily="2" charset="-122"/>
-                <a:ea typeface="宋体" panose="02010600030101010101" pitchFamily="2" charset="-122"/>
-                <a:cs typeface="思源黑体 Light" panose="020B0300000000000000" charset="-122"/>
-                <a:sym typeface="+mn-ea"/>
-              </a:endParaRPr>
-            </a:p>
-          </p:txBody>
-        </p:sp>
-      </p:grpSp>
-    </p:spTree>
-    <p:custDataLst>
-      <p:tags r:id="rId1"/>
-    </p:custDataLst>
-    <p:extLst>
-      <p:ext uri="{BB962C8B-B14F-4D97-AF65-F5344CB8AC3E}">
-        <p14:creationId xmlns:p14="http://schemas.microsoft.com/office/powerpoint/2010/main" val="1770794129"/>
-      </p:ext>
-    </p:extLst>
-  </p:cSld>
-  <p:clrMapOvr>
-    <a:masterClrMapping/>
-  </p:clrMapOvr>
-</p:sld>
-</file>
-
 <file path=ppt/slides/slide2.xml><?xml version="1.0" encoding="utf-8"?>
 <p:sld xmlns:a="http://schemas.openxmlformats.org/drawingml/2006/main" xmlns:r="http://schemas.openxmlformats.org/officeDocument/2006/relationships" xmlns:p="http://schemas.openxmlformats.org/presentationml/2006/main">
   <p:cSld>
@@ -11628,6 +11575,320 @@
 <file path=ppt/slides/slide20.xml><?xml version="1.0" encoding="utf-8"?>
 <p:sld xmlns:a="http://schemas.openxmlformats.org/drawingml/2006/main" xmlns:r="http://schemas.openxmlformats.org/officeDocument/2006/relationships" xmlns:p="http://schemas.openxmlformats.org/presentationml/2006/main">
   <p:cSld>
+    <p:spTree>
+      <p:nvGrpSpPr>
+        <p:cNvPr id="1" name=""/>
+        <p:cNvGrpSpPr/>
+        <p:nvPr/>
+      </p:nvGrpSpPr>
+      <p:grpSpPr>
+        <a:xfrm>
+          <a:off x="0" y="0"/>
+          <a:ext cx="0" cy="0"/>
+          <a:chOff x="0" y="0"/>
+          <a:chExt cx="0" cy="0"/>
+        </a:xfrm>
+      </p:grpSpPr>
+      <p:cxnSp>
+        <p:nvCxnSpPr>
+          <p:cNvPr id="2" name="直接连接符 1"/>
+          <p:cNvCxnSpPr/>
+          <p:nvPr/>
+        </p:nvCxnSpPr>
+        <p:spPr>
+          <a:xfrm flipH="1">
+            <a:off x="-581660" y="1250950"/>
+            <a:ext cx="2432050" cy="1964690"/>
+          </a:xfrm>
+          <a:prstGeom prst="line">
+            <a:avLst/>
+          </a:prstGeom>
+          <a:ln>
+            <a:solidFill>
+              <a:schemeClr val="tx1">
+                <a:lumMod val="95000"/>
+                <a:lumOff val="5000"/>
+              </a:schemeClr>
+            </a:solidFill>
+          </a:ln>
+        </p:spPr>
+        <p:style>
+          <a:lnRef idx="1">
+            <a:schemeClr val="accent1"/>
+          </a:lnRef>
+          <a:fillRef idx="0">
+            <a:schemeClr val="accent1"/>
+          </a:fillRef>
+          <a:effectRef idx="0">
+            <a:schemeClr val="accent1"/>
+          </a:effectRef>
+          <a:fontRef idx="minor">
+            <a:schemeClr val="tx1"/>
+          </a:fontRef>
+        </p:style>
+      </p:cxnSp>
+      <p:cxnSp>
+        <p:nvCxnSpPr>
+          <p:cNvPr id="3" name="直接连接符 2"/>
+          <p:cNvCxnSpPr/>
+          <p:nvPr/>
+        </p:nvCxnSpPr>
+        <p:spPr>
+          <a:xfrm flipH="1">
+            <a:off x="1334135" y="-1107440"/>
+            <a:ext cx="2432050" cy="1964690"/>
+          </a:xfrm>
+          <a:prstGeom prst="line">
+            <a:avLst/>
+          </a:prstGeom>
+          <a:ln>
+            <a:solidFill>
+              <a:schemeClr val="tx1">
+                <a:lumMod val="95000"/>
+                <a:lumOff val="5000"/>
+              </a:schemeClr>
+            </a:solidFill>
+          </a:ln>
+        </p:spPr>
+        <p:style>
+          <a:lnRef idx="1">
+            <a:schemeClr val="accent1"/>
+          </a:lnRef>
+          <a:fillRef idx="0">
+            <a:schemeClr val="accent1"/>
+          </a:fillRef>
+          <a:effectRef idx="0">
+            <a:schemeClr val="accent1"/>
+          </a:effectRef>
+          <a:fontRef idx="minor">
+            <a:schemeClr val="tx1"/>
+          </a:fontRef>
+        </p:style>
+      </p:cxnSp>
+      <p:cxnSp>
+        <p:nvCxnSpPr>
+          <p:cNvPr id="4" name="直接连接符 3"/>
+          <p:cNvCxnSpPr/>
+          <p:nvPr/>
+        </p:nvCxnSpPr>
+        <p:spPr>
+          <a:xfrm flipH="1">
+            <a:off x="9215755" y="5941060"/>
+            <a:ext cx="2432050" cy="1964690"/>
+          </a:xfrm>
+          <a:prstGeom prst="line">
+            <a:avLst/>
+          </a:prstGeom>
+          <a:ln>
+            <a:solidFill>
+              <a:schemeClr val="tx1">
+                <a:lumMod val="95000"/>
+                <a:lumOff val="5000"/>
+              </a:schemeClr>
+            </a:solidFill>
+          </a:ln>
+        </p:spPr>
+        <p:style>
+          <a:lnRef idx="1">
+            <a:schemeClr val="accent1"/>
+          </a:lnRef>
+          <a:fillRef idx="0">
+            <a:schemeClr val="accent1"/>
+          </a:fillRef>
+          <a:effectRef idx="0">
+            <a:schemeClr val="accent1"/>
+          </a:effectRef>
+          <a:fontRef idx="minor">
+            <a:schemeClr val="tx1"/>
+          </a:fontRef>
+        </p:style>
+      </p:cxnSp>
+      <p:cxnSp>
+        <p:nvCxnSpPr>
+          <p:cNvPr id="5" name="直接连接符 4"/>
+          <p:cNvCxnSpPr/>
+          <p:nvPr/>
+        </p:nvCxnSpPr>
+        <p:spPr>
+          <a:xfrm flipH="1">
+            <a:off x="11131550" y="3582670"/>
+            <a:ext cx="2432050" cy="1964690"/>
+          </a:xfrm>
+          <a:prstGeom prst="line">
+            <a:avLst/>
+          </a:prstGeom>
+          <a:ln w="6350">
+            <a:solidFill>
+              <a:schemeClr val="tx1">
+                <a:lumMod val="95000"/>
+                <a:lumOff val="5000"/>
+              </a:schemeClr>
+            </a:solidFill>
+          </a:ln>
+        </p:spPr>
+        <p:style>
+          <a:lnRef idx="1">
+            <a:schemeClr val="accent1"/>
+          </a:lnRef>
+          <a:fillRef idx="0">
+            <a:schemeClr val="accent1"/>
+          </a:fillRef>
+          <a:effectRef idx="0">
+            <a:schemeClr val="accent1"/>
+          </a:effectRef>
+          <a:fontRef idx="minor">
+            <a:schemeClr val="tx1"/>
+          </a:fontRef>
+        </p:style>
+      </p:cxnSp>
+      <p:sp>
+        <p:nvSpPr>
+          <p:cNvPr id="8" name="文本框 7"/>
+          <p:cNvSpPr txBox="1"/>
+          <p:nvPr/>
+        </p:nvSpPr>
+        <p:spPr>
+          <a:xfrm>
+            <a:off x="3906520" y="2056765"/>
+            <a:ext cx="1264920" cy="1014730"/>
+          </a:xfrm>
+          <a:prstGeom prst="rect">
+            <a:avLst/>
+          </a:prstGeom>
+          <a:noFill/>
+        </p:spPr>
+        <p:txBody>
+          <a:bodyPr wrap="square" rtlCol="0">
+            <a:spAutoFit/>
+          </a:bodyPr>
+          <a:lstStyle/>
+          <a:p>
+            <a:pPr algn="l"/>
+            <a:r>
+              <a:rPr lang="en-US" sz="6000" dirty="0">
+                <a:solidFill>
+                  <a:srgbClr val="FF0000"/>
+                </a:solidFill>
+                <a:latin typeface="宋体" panose="02010600030101010101" pitchFamily="2" charset="-122"/>
+                <a:ea typeface="宋体" panose="02010600030101010101" pitchFamily="2" charset="-122"/>
+                <a:cs typeface="思源黑体 Light" panose="020B0300000000000000" charset="-122"/>
+              </a:rPr>
+              <a:t>05</a:t>
+            </a:r>
+          </a:p>
+        </p:txBody>
+      </p:sp>
+      <p:grpSp>
+        <p:nvGrpSpPr>
+          <p:cNvPr id="9" name="组合 8"/>
+          <p:cNvGrpSpPr/>
+          <p:nvPr/>
+        </p:nvGrpSpPr>
+        <p:grpSpPr>
+          <a:xfrm>
+            <a:off x="4000500" y="2339340"/>
+            <a:ext cx="3931285" cy="1164590"/>
+            <a:chOff x="6300" y="3684"/>
+            <a:chExt cx="6191" cy="1834"/>
+          </a:xfrm>
+        </p:grpSpPr>
+        <p:cxnSp>
+          <p:nvCxnSpPr>
+            <p:cNvPr id="15" name="直接连接符 14"/>
+            <p:cNvCxnSpPr/>
+            <p:nvPr/>
+          </p:nvCxnSpPr>
+          <p:spPr>
+            <a:xfrm flipH="1">
+              <a:off x="6300" y="3684"/>
+              <a:ext cx="2266" cy="1834"/>
+            </a:xfrm>
+            <a:prstGeom prst="line">
+              <a:avLst/>
+            </a:prstGeom>
+            <a:ln>
+              <a:solidFill>
+                <a:schemeClr val="tx1">
+                  <a:lumMod val="95000"/>
+                  <a:lumOff val="5000"/>
+                </a:schemeClr>
+              </a:solidFill>
+            </a:ln>
+          </p:spPr>
+          <p:style>
+            <a:lnRef idx="1">
+              <a:schemeClr val="accent1"/>
+            </a:lnRef>
+            <a:fillRef idx="0">
+              <a:schemeClr val="accent1"/>
+            </a:fillRef>
+            <a:effectRef idx="0">
+              <a:schemeClr val="accent1"/>
+            </a:effectRef>
+            <a:fontRef idx="minor">
+              <a:schemeClr val="tx1"/>
+            </a:fontRef>
+          </p:style>
+        </p:cxnSp>
+        <p:sp>
+          <p:nvSpPr>
+            <p:cNvPr id="10" name="文本框 9"/>
+            <p:cNvSpPr txBox="1"/>
+            <p:nvPr/>
+          </p:nvSpPr>
+          <p:spPr>
+            <a:xfrm>
+              <a:off x="7696" y="4269"/>
+              <a:ext cx="4795" cy="921"/>
+            </a:xfrm>
+            <a:prstGeom prst="rect">
+              <a:avLst/>
+            </a:prstGeom>
+            <a:noFill/>
+          </p:spPr>
+          <p:txBody>
+            <a:bodyPr wrap="square" rtlCol="0">
+              <a:spAutoFit/>
+            </a:bodyPr>
+            <a:lstStyle/>
+            <a:p>
+              <a:pPr algn="l"/>
+              <a:r>
+                <a:rPr lang="zh-CN" altLang="en-US" sz="3200" dirty="0">
+                  <a:latin typeface="宋体" panose="02010600030101010101" pitchFamily="2" charset="-122"/>
+                  <a:ea typeface="宋体" panose="02010600030101010101" pitchFamily="2" charset="-122"/>
+                </a:rPr>
+                <a:t>结果演示</a:t>
+              </a:r>
+              <a:endParaRPr lang="zh-CN" altLang="en-US" sz="3200" dirty="0">
+                <a:latin typeface="宋体" panose="02010600030101010101" pitchFamily="2" charset="-122"/>
+                <a:ea typeface="宋体" panose="02010600030101010101" pitchFamily="2" charset="-122"/>
+                <a:cs typeface="思源黑体 Light" panose="020B0300000000000000" charset="-122"/>
+                <a:sym typeface="+mn-ea"/>
+              </a:endParaRPr>
+            </a:p>
+          </p:txBody>
+        </p:sp>
+      </p:grpSp>
+    </p:spTree>
+    <p:custDataLst>
+      <p:tags r:id="rId1"/>
+    </p:custDataLst>
+    <p:extLst>
+      <p:ext uri="{BB962C8B-B14F-4D97-AF65-F5344CB8AC3E}">
+        <p14:creationId xmlns:p14="http://schemas.microsoft.com/office/powerpoint/2010/main" val="1770794129"/>
+      </p:ext>
+    </p:extLst>
+  </p:cSld>
+  <p:clrMapOvr>
+    <a:masterClrMapping/>
+  </p:clrMapOvr>
+</p:sld>
+</file>
+
+<file path=ppt/slides/slide21.xml><?xml version="1.0" encoding="utf-8"?>
+<p:sld xmlns:a="http://schemas.openxmlformats.org/drawingml/2006/main" xmlns:r="http://schemas.openxmlformats.org/officeDocument/2006/relationships" xmlns:p="http://schemas.openxmlformats.org/presentationml/2006/main">
+  <p:cSld>
     <p:bg>
       <p:bgPr>
         <a:solidFill>
@@ -13216,10 +13477,10 @@
       </p:cxnSp>
       <p:pic>
         <p:nvPicPr>
-          <p:cNvPr id="3" name="图片 2">
+          <p:cNvPr id="4" name="图片 3">
             <a:extLst>
               <a:ext uri="{FF2B5EF4-FFF2-40B4-BE49-F238E27FC236}">
-                <a16:creationId xmlns:a16="http://schemas.microsoft.com/office/drawing/2014/main" id="{FF5E5168-4D3C-4954-B46F-E65A8230B438}"/>
+                <a16:creationId xmlns:a16="http://schemas.microsoft.com/office/drawing/2014/main" id="{5C7C8F94-38A7-4C1B-A3AF-B4EEBDB1D3D8}"/>
               </a:ext>
             </a:extLst>
           </p:cNvPr>
@@ -13236,8 +13497,8 @@
         </p:blipFill>
         <p:spPr>
           <a:xfrm>
-            <a:off x="3446117" y="763424"/>
-            <a:ext cx="5568369" cy="6094576"/>
+            <a:off x="3234442" y="837565"/>
+            <a:ext cx="5723116" cy="5921253"/>
           </a:xfrm>
           <a:prstGeom prst="rect">
             <a:avLst/>
@@ -15759,6 +16020,25 @@
 </p:tagLst>
 </file>
 
+<file path=ppt/tags/tag82.xml><?xml version="1.0" encoding="utf-8"?>
+<p:tagLst xmlns:a="http://schemas.openxmlformats.org/drawingml/2006/main" xmlns:r="http://schemas.openxmlformats.org/officeDocument/2006/relationships" xmlns:p="http://schemas.openxmlformats.org/presentationml/2006/main">
+  <p:tag name="KSO_WM_TEMPLATE_THUMBS_INDEX" val="1"/>
+  <p:tag name="KSO_WM_SLIDE_ID" val="custom20187308_1"/>
+  <p:tag name="KSO_WM_TEMPLATE_SUBCATEGORY" val="0"/>
+  <p:tag name="KSO_WM_SLIDE_TYPE" val="title"/>
+  <p:tag name="KSO_WM_SLIDE_SUBTYPE" val="defaultBlank"/>
+  <p:tag name="KSO_WM_SLIDE_ITEM_CNT" val="0"/>
+  <p:tag name="KSO_WM_SLIDE_INDEX" val="1"/>
+  <p:tag name="KSO_WM_TAG_VERSION" val="1.0"/>
+  <p:tag name="KSO_WM_BEAUTIFY_FLAG" val="#wm#"/>
+  <p:tag name="KSO_WM_TEMPLATE_CATEGORY" val="custom"/>
+  <p:tag name="KSO_WM_TEMPLATE_INDEX" val="20187308"/>
+  <p:tag name="KSO_WM_SLIDE_LAYOUT" val="a_b"/>
+  <p:tag name="KSO_WM_SLIDE_LAYOUT_CNT" val="1_1"/>
+  <p:tag name="KSO_WM_SLIDE_MODEL_TYPE" val="cover"/>
+</p:tagLst>
+</file>
+
 <file path=ppt/tags/tag9.xml><?xml version="1.0" encoding="utf-8"?>
 <p:tagLst xmlns:a="http://schemas.openxmlformats.org/drawingml/2006/main" xmlns:r="http://schemas.openxmlformats.org/officeDocument/2006/relationships" xmlns:p="http://schemas.openxmlformats.org/presentationml/2006/main">
   <p:tag name="KSO_WM_UNIT_HIGHLIGHT" val="0"/>
